--- a/Whiteboard design session/media/solution-topology.pptx
+++ b/Whiteboard design session/media/solution-topology.pptx
@@ -197,7 +197,7 @@
           <a:p>
             <a:fld id="{9FAE9C77-A996-C84E-9D36-3D6272241604}" type="datetimeFigureOut">
               <a:rPr lang="en-US" smtClean="0"/>
-              <a:t>8/23/20</a:t>
+              <a:t>11/15/20</a:t>
             </a:fld>
             <a:endParaRPr lang="en-US"/>
           </a:p>
@@ -710,7 +710,7 @@
           <a:p>
             <a:fld id="{1D36DCE9-2688-1142-A9FE-378B36DFC2B8}" type="datetimeFigureOut">
               <a:rPr lang="en-US" smtClean="0"/>
-              <a:t>8/23/20</a:t>
+              <a:t>11/15/20</a:t>
             </a:fld>
             <a:endParaRPr lang="en-US"/>
           </a:p>
@@ -908,7 +908,7 @@
           <a:p>
             <a:fld id="{1D36DCE9-2688-1142-A9FE-378B36DFC2B8}" type="datetimeFigureOut">
               <a:rPr lang="en-US" smtClean="0"/>
-              <a:t>8/23/20</a:t>
+              <a:t>11/15/20</a:t>
             </a:fld>
             <a:endParaRPr lang="en-US"/>
           </a:p>
@@ -1116,7 +1116,7 @@
           <a:p>
             <a:fld id="{1D36DCE9-2688-1142-A9FE-378B36DFC2B8}" type="datetimeFigureOut">
               <a:rPr lang="en-US" smtClean="0"/>
-              <a:t>8/23/20</a:t>
+              <a:t>11/15/20</a:t>
             </a:fld>
             <a:endParaRPr lang="en-US"/>
           </a:p>
@@ -1314,7 +1314,7 @@
           <a:p>
             <a:fld id="{1D36DCE9-2688-1142-A9FE-378B36DFC2B8}" type="datetimeFigureOut">
               <a:rPr lang="en-US" smtClean="0"/>
-              <a:t>8/23/20</a:t>
+              <a:t>11/15/20</a:t>
             </a:fld>
             <a:endParaRPr lang="en-US"/>
           </a:p>
@@ -1589,7 +1589,7 @@
           <a:p>
             <a:fld id="{1D36DCE9-2688-1142-A9FE-378B36DFC2B8}" type="datetimeFigureOut">
               <a:rPr lang="en-US" smtClean="0"/>
-              <a:t>8/23/20</a:t>
+              <a:t>11/15/20</a:t>
             </a:fld>
             <a:endParaRPr lang="en-US"/>
           </a:p>
@@ -1854,7 +1854,7 @@
           <a:p>
             <a:fld id="{1D36DCE9-2688-1142-A9FE-378B36DFC2B8}" type="datetimeFigureOut">
               <a:rPr lang="en-US" smtClean="0"/>
-              <a:t>8/23/20</a:t>
+              <a:t>11/15/20</a:t>
             </a:fld>
             <a:endParaRPr lang="en-US"/>
           </a:p>
@@ -2266,7 +2266,7 @@
           <a:p>
             <a:fld id="{1D36DCE9-2688-1142-A9FE-378B36DFC2B8}" type="datetimeFigureOut">
               <a:rPr lang="en-US" smtClean="0"/>
-              <a:t>8/23/20</a:t>
+              <a:t>11/15/20</a:t>
             </a:fld>
             <a:endParaRPr lang="en-US"/>
           </a:p>
@@ -2407,7 +2407,7 @@
           <a:p>
             <a:fld id="{1D36DCE9-2688-1142-A9FE-378B36DFC2B8}" type="datetimeFigureOut">
               <a:rPr lang="en-US" smtClean="0"/>
-              <a:t>8/23/20</a:t>
+              <a:t>11/15/20</a:t>
             </a:fld>
             <a:endParaRPr lang="en-US"/>
           </a:p>
@@ -2520,7 +2520,7 @@
           <a:p>
             <a:fld id="{1D36DCE9-2688-1142-A9FE-378B36DFC2B8}" type="datetimeFigureOut">
               <a:rPr lang="en-US" smtClean="0"/>
-              <a:t>8/23/20</a:t>
+              <a:t>11/15/20</a:t>
             </a:fld>
             <a:endParaRPr lang="en-US"/>
           </a:p>
@@ -2831,7 +2831,7 @@
           <a:p>
             <a:fld id="{1D36DCE9-2688-1142-A9FE-378B36DFC2B8}" type="datetimeFigureOut">
               <a:rPr lang="en-US" smtClean="0"/>
-              <a:t>8/23/20</a:t>
+              <a:t>11/15/20</a:t>
             </a:fld>
             <a:endParaRPr lang="en-US"/>
           </a:p>
@@ -3119,7 +3119,7 @@
           <a:p>
             <a:fld id="{1D36DCE9-2688-1142-A9FE-378B36DFC2B8}" type="datetimeFigureOut">
               <a:rPr lang="en-US" smtClean="0"/>
-              <a:t>8/23/20</a:t>
+              <a:t>11/15/20</a:t>
             </a:fld>
             <a:endParaRPr lang="en-US"/>
           </a:p>
@@ -3360,7 +3360,7 @@
           <a:p>
             <a:fld id="{1D36DCE9-2688-1142-A9FE-378B36DFC2B8}" type="datetimeFigureOut">
               <a:rPr lang="en-US" smtClean="0"/>
-              <a:t>8/23/20</a:t>
+              <a:t>11/15/20</a:t>
             </a:fld>
             <a:endParaRPr lang="en-US"/>
           </a:p>
@@ -3779,10 +3779,10 @@
       </p:grpSpPr>
       <p:cxnSp>
         <p:nvCxnSpPr>
-          <p:cNvPr id="100" name="Elbow Connector 99">
-            <a:extLst>
-              <a:ext uri="{FF2B5EF4-FFF2-40B4-BE49-F238E27FC236}">
-                <a16:creationId xmlns:a16="http://schemas.microsoft.com/office/drawing/2014/main" id="{CB2BCBAA-5F98-2346-9BE1-CEF044CAD123}"/>
+          <p:cNvPr id="71" name="Straight Arrow Connector 70">
+            <a:extLst>
+              <a:ext uri="{FF2B5EF4-FFF2-40B4-BE49-F238E27FC236}">
+                <a16:creationId xmlns:a16="http://schemas.microsoft.com/office/drawing/2014/main" id="{0018224F-A4B9-6C47-9524-B3E43890A1D3}"/>
               </a:ext>
             </a:extLst>
           </p:cNvPr>
@@ -3793,7 +3793,48 @@
         </p:nvCxnSpPr>
         <p:spPr>
           <a:xfrm>
-            <a:off x="3173603" y="528896"/>
+            <a:off x="9822598" y="4746009"/>
+            <a:ext cx="713350" cy="25541"/>
+          </a:xfrm>
+          <a:prstGeom prst="straightConnector1">
+            <a:avLst/>
+          </a:prstGeom>
+          <a:ln w="38100">
+            <a:tailEnd type="triangle"/>
+          </a:ln>
+        </p:spPr>
+        <p:style>
+          <a:lnRef idx="1">
+            <a:schemeClr val="accent1"/>
+          </a:lnRef>
+          <a:fillRef idx="0">
+            <a:schemeClr val="accent1"/>
+          </a:fillRef>
+          <a:effectRef idx="0">
+            <a:schemeClr val="accent1"/>
+          </a:effectRef>
+          <a:fontRef idx="minor">
+            <a:schemeClr val="tx1"/>
+          </a:fontRef>
+        </p:style>
+      </p:cxnSp>
+      <p:cxnSp>
+        <p:nvCxnSpPr>
+          <p:cNvPr id="100" name="Elbow Connector 99">
+            <a:extLst>
+              <a:ext uri="{FF2B5EF4-FFF2-40B4-BE49-F238E27FC236}">
+                <a16:creationId xmlns:a16="http://schemas.microsoft.com/office/drawing/2014/main" id="{CB2BCBAA-5F98-2346-9BE1-CEF044CAD123}"/>
+              </a:ext>
+            </a:extLst>
+          </p:cNvPr>
+          <p:cNvCxnSpPr>
+            <a:cxnSpLocks/>
+          </p:cNvCxnSpPr>
+          <p:nvPr/>
+        </p:nvCxnSpPr>
+        <p:spPr>
+          <a:xfrm>
+            <a:off x="3091542" y="528896"/>
             <a:ext cx="1287740" cy="1122483"/>
           </a:xfrm>
           <a:prstGeom prst="bentConnector3">
@@ -3843,7 +3884,7 @@
         </p:nvCxnSpPr>
         <p:spPr>
           <a:xfrm>
-            <a:off x="10197734" y="3679025"/>
+            <a:off x="10115673" y="2905307"/>
             <a:ext cx="563164" cy="11222"/>
           </a:xfrm>
           <a:prstGeom prst="straightConnector1">
@@ -3884,7 +3925,7 @@
         </p:nvCxnSpPr>
         <p:spPr>
           <a:xfrm>
-            <a:off x="2351861" y="4919168"/>
+            <a:off x="2269800" y="4919168"/>
             <a:ext cx="1008589" cy="6269"/>
           </a:xfrm>
           <a:prstGeom prst="straightConnector1">
@@ -3927,7 +3968,7 @@
         </p:nvCxnSpPr>
         <p:spPr>
           <a:xfrm rot="16200000" flipH="1">
-            <a:off x="197923" y="4231565"/>
+            <a:off x="115862" y="4231565"/>
             <a:ext cx="988915" cy="367812"/>
           </a:xfrm>
           <a:prstGeom prst="bentConnector3">
@@ -3970,7 +4011,7 @@
         </p:nvSpPr>
         <p:spPr>
           <a:xfrm>
-            <a:off x="10845185" y="3195901"/>
+            <a:off x="10709727" y="2081730"/>
             <a:ext cx="1226056" cy="1481704"/>
           </a:xfrm>
           <a:prstGeom prst="rect">
@@ -4029,7 +4070,7 @@
         </p:nvSpPr>
         <p:spPr>
           <a:xfrm>
-            <a:off x="1039425" y="4446488"/>
+            <a:off x="957364" y="4446488"/>
             <a:ext cx="1226056" cy="1276914"/>
           </a:xfrm>
           <a:prstGeom prst="rect">
@@ -4088,7 +4129,7 @@
         </p:nvSpPr>
         <p:spPr>
           <a:xfrm>
-            <a:off x="204528" y="2545197"/>
+            <a:off x="122467" y="2545197"/>
             <a:ext cx="1226056" cy="1592561"/>
           </a:xfrm>
           <a:prstGeom prst="rect">
@@ -4147,7 +4188,7 @@
         </p:nvSpPr>
         <p:spPr>
           <a:xfrm>
-            <a:off x="3287866" y="1853133"/>
+            <a:off x="3205805" y="1853133"/>
             <a:ext cx="7023818" cy="3966812"/>
           </a:xfrm>
           <a:prstGeom prst="rect">
@@ -4220,7 +4261,7 @@
         </p:blipFill>
         <p:spPr>
           <a:xfrm>
-            <a:off x="11130509" y="3374962"/>
+            <a:off x="10995051" y="2260791"/>
             <a:ext cx="734127" cy="652557"/>
           </a:xfrm>
           <a:prstGeom prst="rect">
@@ -4256,7 +4297,7 @@
         </p:blipFill>
         <p:spPr>
           <a:xfrm>
-            <a:off x="3549731" y="1985386"/>
+            <a:off x="3467670" y="1985386"/>
             <a:ext cx="442081" cy="442081"/>
           </a:xfrm>
           <a:prstGeom prst="rect">
@@ -4292,7 +4333,7 @@
         </p:blipFill>
         <p:spPr>
           <a:xfrm>
-            <a:off x="1409114" y="4545803"/>
+            <a:off x="1327053" y="4545803"/>
             <a:ext cx="603294" cy="603294"/>
           </a:xfrm>
           <a:prstGeom prst="rect">
@@ -4314,7 +4355,7 @@
         </p:nvSpPr>
         <p:spPr>
           <a:xfrm>
-            <a:off x="1145816" y="5053156"/>
+            <a:off x="1063755" y="5053156"/>
             <a:ext cx="1119665" cy="646331"/>
           </a:xfrm>
           <a:prstGeom prst="rect">
@@ -4355,7 +4396,7 @@
         </p:nvSpPr>
         <p:spPr>
           <a:xfrm>
-            <a:off x="379184" y="3450813"/>
+            <a:off x="297123" y="3450813"/>
             <a:ext cx="878767" cy="646331"/>
           </a:xfrm>
           <a:prstGeom prst="rect">
@@ -4396,7 +4437,7 @@
         </p:nvSpPr>
         <p:spPr>
           <a:xfrm>
-            <a:off x="4091588" y="2021760"/>
+            <a:off x="4009527" y="2021760"/>
             <a:ext cx="3533147" cy="400110"/>
           </a:xfrm>
           <a:prstGeom prst="rect">
@@ -4431,7 +4472,7 @@
         </p:nvSpPr>
         <p:spPr>
           <a:xfrm>
-            <a:off x="10867254" y="4031274"/>
+            <a:off x="10731796" y="2917103"/>
             <a:ext cx="1252266" cy="646331"/>
           </a:xfrm>
           <a:prstGeom prst="rect">
@@ -4486,7 +4527,7 @@
         </p:blipFill>
         <p:spPr>
           <a:xfrm>
-            <a:off x="9639943" y="5287712"/>
+            <a:off x="9557882" y="5287712"/>
             <a:ext cx="469900" cy="469900"/>
           </a:xfrm>
           <a:prstGeom prst="rect">
@@ -4508,7 +4549,7 @@
         </p:nvSpPr>
         <p:spPr>
           <a:xfrm>
-            <a:off x="7936774" y="5337996"/>
+            <a:off x="7854713" y="5337996"/>
             <a:ext cx="1716817" cy="369332"/>
           </a:xfrm>
           <a:prstGeom prst="rect">
@@ -4543,7 +4584,7 @@
         </p:nvSpPr>
         <p:spPr>
           <a:xfrm>
-            <a:off x="3561035" y="2587070"/>
+            <a:off x="3478974" y="2587070"/>
             <a:ext cx="2192956" cy="2406521"/>
           </a:xfrm>
           <a:prstGeom prst="rect">
@@ -4606,7 +4647,7 @@
         </p:nvSpPr>
         <p:spPr>
           <a:xfrm>
-            <a:off x="4222479" y="2637060"/>
+            <a:off x="4140418" y="2637060"/>
             <a:ext cx="1097352" cy="369332"/>
           </a:xfrm>
           <a:prstGeom prst="rect">
@@ -4641,7 +4682,7 @@
         </p:nvGrpSpPr>
         <p:grpSpPr>
           <a:xfrm>
-            <a:off x="3795514" y="3199918"/>
+            <a:off x="3713453" y="3199918"/>
             <a:ext cx="602255" cy="602255"/>
             <a:chOff x="794822" y="593342"/>
             <a:chExt cx="904281" cy="904281"/>
@@ -4772,7 +4813,7 @@
         </p:nvSpPr>
         <p:spPr>
           <a:xfrm>
-            <a:off x="4461343" y="3244505"/>
+            <a:off x="4379282" y="3244505"/>
             <a:ext cx="1184042" cy="369332"/>
           </a:xfrm>
           <a:prstGeom prst="rect">
@@ -4807,7 +4848,7 @@
         </p:nvGrpSpPr>
         <p:grpSpPr>
           <a:xfrm>
-            <a:off x="3795514" y="4175219"/>
+            <a:off x="3713453" y="4175219"/>
             <a:ext cx="602255" cy="602255"/>
             <a:chOff x="794822" y="593342"/>
             <a:chExt cx="904281" cy="904281"/>
@@ -4938,7 +4979,7 @@
         </p:nvSpPr>
         <p:spPr>
           <a:xfrm>
-            <a:off x="4461343" y="4175219"/>
+            <a:off x="4379282" y="4175219"/>
             <a:ext cx="1258165" cy="646331"/>
           </a:xfrm>
           <a:prstGeom prst="rect">
@@ -4979,7 +5020,7 @@
         </p:nvSpPr>
         <p:spPr>
           <a:xfrm>
-            <a:off x="6103293" y="2598837"/>
+            <a:off x="6021232" y="2598837"/>
             <a:ext cx="3941870" cy="2406521"/>
           </a:xfrm>
           <a:prstGeom prst="rect">
@@ -5039,7 +5080,7 @@
         </p:nvSpPr>
         <p:spPr>
           <a:xfrm>
-            <a:off x="7602848" y="2650725"/>
+            <a:off x="7520787" y="2650725"/>
             <a:ext cx="1478290" cy="369332"/>
           </a:xfrm>
           <a:prstGeom prst="rect">
@@ -5074,7 +5115,7 @@
         </p:nvGrpSpPr>
         <p:grpSpPr>
           <a:xfrm>
-            <a:off x="6337772" y="3211685"/>
+            <a:off x="6255711" y="3211685"/>
             <a:ext cx="602255" cy="602255"/>
             <a:chOff x="794822" y="593342"/>
             <a:chExt cx="904281" cy="904281"/>
@@ -5205,7 +5246,7 @@
         </p:nvSpPr>
         <p:spPr>
           <a:xfrm>
-            <a:off x="7003601" y="3283568"/>
+            <a:off x="6921540" y="3283568"/>
             <a:ext cx="1304524" cy="369332"/>
           </a:xfrm>
           <a:prstGeom prst="rect">
@@ -5240,7 +5281,7 @@
         </p:nvGrpSpPr>
         <p:grpSpPr>
           <a:xfrm>
-            <a:off x="6337772" y="4186986"/>
+            <a:off x="6255711" y="4186986"/>
             <a:ext cx="602255" cy="602255"/>
             <a:chOff x="794822" y="593342"/>
             <a:chExt cx="904281" cy="904281"/>
@@ -5371,7 +5412,7 @@
         </p:nvSpPr>
         <p:spPr>
           <a:xfrm>
-            <a:off x="7003601" y="4284251"/>
+            <a:off x="6921540" y="4284251"/>
             <a:ext cx="697627" cy="369332"/>
           </a:xfrm>
           <a:prstGeom prst="rect">
@@ -5406,7 +5447,7 @@
         </p:nvGrpSpPr>
         <p:grpSpPr>
           <a:xfrm>
-            <a:off x="8305079" y="3222907"/>
+            <a:off x="8223018" y="3222907"/>
             <a:ext cx="602255" cy="602255"/>
             <a:chOff x="794822" y="593342"/>
             <a:chExt cx="904281" cy="904281"/>
@@ -5537,7 +5578,7 @@
         </p:nvSpPr>
         <p:spPr>
           <a:xfrm>
-            <a:off x="8970908" y="3294790"/>
+            <a:off x="8888847" y="3294790"/>
             <a:ext cx="936154" cy="369332"/>
           </a:xfrm>
           <a:prstGeom prst="rect">
@@ -5572,7 +5613,7 @@
         </p:nvGrpSpPr>
         <p:grpSpPr>
           <a:xfrm>
-            <a:off x="8305079" y="4182419"/>
+            <a:off x="8223018" y="4182419"/>
             <a:ext cx="602255" cy="602255"/>
             <a:chOff x="794822" y="593342"/>
             <a:chExt cx="904281" cy="904281"/>
@@ -5703,7 +5744,7 @@
         </p:nvSpPr>
         <p:spPr>
           <a:xfrm>
-            <a:off x="8970908" y="4254302"/>
+            <a:off x="8888847" y="4254302"/>
             <a:ext cx="782843" cy="369332"/>
           </a:xfrm>
           <a:prstGeom prst="rect">
@@ -5738,7 +5779,7 @@
         </p:nvGrpSpPr>
         <p:grpSpPr>
           <a:xfrm>
-            <a:off x="3583350" y="5189854"/>
+            <a:off x="3501289" y="5189854"/>
             <a:ext cx="520700" cy="507831"/>
             <a:chOff x="7929988" y="5523319"/>
             <a:chExt cx="680246" cy="663434"/>
@@ -5867,7 +5908,7 @@
         </p:nvSpPr>
         <p:spPr>
           <a:xfrm>
-            <a:off x="4190479" y="5318995"/>
+            <a:off x="4108418" y="5318995"/>
             <a:ext cx="1329210" cy="369332"/>
           </a:xfrm>
           <a:prstGeom prst="rect">
@@ -5902,7 +5943,7 @@
         </p:nvSpPr>
         <p:spPr>
           <a:xfrm>
-            <a:off x="395105" y="2553989"/>
+            <a:off x="313044" y="2553989"/>
             <a:ext cx="798617" cy="400110"/>
           </a:xfrm>
           <a:prstGeom prst="rect">
@@ -5937,7 +5978,7 @@
         </p:nvSpPr>
         <p:spPr>
           <a:xfrm>
-            <a:off x="283875" y="5060435"/>
+            <a:off x="201814" y="5060435"/>
             <a:ext cx="677430" cy="523220"/>
           </a:xfrm>
           <a:prstGeom prst="rect">
@@ -5980,7 +6021,7 @@
         </p:nvSpPr>
         <p:spPr>
           <a:xfrm>
-            <a:off x="2456123" y="5092137"/>
+            <a:off x="2374062" y="5092137"/>
             <a:ext cx="677430" cy="523220"/>
           </a:xfrm>
           <a:prstGeom prst="rect">
@@ -6025,7 +6066,7 @@
         </p:nvCxnSpPr>
         <p:spPr>
           <a:xfrm>
-            <a:off x="1588555" y="4029205"/>
+            <a:off x="1506494" y="4029205"/>
             <a:ext cx="1514206" cy="0"/>
           </a:xfrm>
           <a:prstGeom prst="straightConnector1">
@@ -6066,7 +6107,7 @@
         </p:nvSpPr>
         <p:spPr>
           <a:xfrm>
-            <a:off x="1976288" y="3625897"/>
+            <a:off x="1894227" y="3625897"/>
             <a:ext cx="1197315" cy="307777"/>
           </a:xfrm>
           <a:prstGeom prst="rect">
@@ -6110,7 +6151,7 @@
         </p:blipFill>
         <p:spPr>
           <a:xfrm>
-            <a:off x="1563813" y="3499990"/>
+            <a:off x="1481752" y="3499990"/>
             <a:ext cx="432145" cy="449784"/>
           </a:xfrm>
           <a:prstGeom prst="rect">
@@ -6146,7 +6187,7 @@
         </p:blipFill>
         <p:spPr>
           <a:xfrm>
-            <a:off x="454008" y="5907559"/>
+            <a:off x="371947" y="5907559"/>
             <a:ext cx="469900" cy="469900"/>
           </a:xfrm>
           <a:prstGeom prst="rect">
@@ -6168,7 +6209,7 @@
         </p:nvSpPr>
         <p:spPr>
           <a:xfrm>
-            <a:off x="225450" y="6377459"/>
+            <a:off x="143389" y="6377459"/>
             <a:ext cx="908518" cy="369332"/>
           </a:xfrm>
           <a:prstGeom prst="rect">
@@ -6217,7 +6258,7 @@
         </p:blipFill>
         <p:spPr>
           <a:xfrm>
-            <a:off x="4618788" y="5927174"/>
+            <a:off x="4536727" y="5927174"/>
             <a:ext cx="469900" cy="469900"/>
           </a:xfrm>
           <a:prstGeom prst="rect">
@@ -6239,7 +6280,7 @@
         </p:nvSpPr>
         <p:spPr>
           <a:xfrm>
-            <a:off x="4328274" y="6397074"/>
+            <a:off x="4246213" y="6397074"/>
             <a:ext cx="1050929" cy="369332"/>
           </a:xfrm>
           <a:prstGeom prst="rect">
@@ -6276,7 +6317,7 @@
         </p:nvCxnSpPr>
         <p:spPr>
           <a:xfrm>
-            <a:off x="1276192" y="6581740"/>
+            <a:off x="1194131" y="6581740"/>
             <a:ext cx="3018793" cy="0"/>
           </a:xfrm>
           <a:prstGeom prst="straightConnector1">
@@ -6324,7 +6365,7 @@
         </p:nvCxnSpPr>
         <p:spPr>
           <a:xfrm>
-            <a:off x="3551387" y="5932140"/>
+            <a:off x="3469326" y="5932140"/>
             <a:ext cx="743598" cy="370433"/>
           </a:xfrm>
           <a:prstGeom prst="bentConnector3">
@@ -6372,7 +6413,7 @@
         </p:nvSpPr>
         <p:spPr>
           <a:xfrm>
-            <a:off x="3571918" y="5918189"/>
+            <a:off x="3489857" y="5918189"/>
             <a:ext cx="687303" cy="369332"/>
           </a:xfrm>
           <a:prstGeom prst="rect">
@@ -6428,7 +6469,7 @@
         </p:blipFill>
         <p:spPr>
           <a:xfrm>
-            <a:off x="86884" y="83875"/>
+            <a:off x="4823" y="83875"/>
             <a:ext cx="1222690" cy="944806"/>
           </a:xfrm>
           <a:prstGeom prst="rect">
@@ -6450,7 +6491,7 @@
         </p:nvSpPr>
         <p:spPr>
           <a:xfrm>
-            <a:off x="290361" y="847392"/>
+            <a:off x="208300" y="847392"/>
             <a:ext cx="815736" cy="369332"/>
           </a:xfrm>
           <a:prstGeom prst="rect">
@@ -6499,7 +6540,7 @@
         </p:blipFill>
         <p:spPr>
           <a:xfrm>
-            <a:off x="2367951" y="221185"/>
+            <a:off x="2285890" y="221185"/>
             <a:ext cx="616709" cy="616709"/>
           </a:xfrm>
           <a:prstGeom prst="rect">
@@ -6521,7 +6562,7 @@
         </p:nvSpPr>
         <p:spPr>
           <a:xfrm>
-            <a:off x="2094351" y="845950"/>
+            <a:off x="2012290" y="845950"/>
             <a:ext cx="1227259" cy="646331"/>
           </a:xfrm>
           <a:prstGeom prst="rect">
@@ -6565,7 +6606,7 @@
         </p:nvCxnSpPr>
         <p:spPr>
           <a:xfrm>
-            <a:off x="1328209" y="528896"/>
+            <a:off x="1246148" y="528896"/>
             <a:ext cx="834897" cy="0"/>
           </a:xfrm>
           <a:prstGeom prst="straightConnector1">
@@ -6619,8 +6660,144 @@
         </p:blipFill>
         <p:spPr>
           <a:xfrm>
-            <a:off x="552440" y="2936259"/>
+            <a:off x="470379" y="2936259"/>
             <a:ext cx="519283" cy="519283"/>
+          </a:xfrm>
+          <a:prstGeom prst="rect">
+            <a:avLst/>
+          </a:prstGeom>
+        </p:spPr>
+      </p:pic>
+      <p:sp>
+        <p:nvSpPr>
+          <p:cNvPr id="77" name="Rectangle 76">
+            <a:extLst>
+              <a:ext uri="{FF2B5EF4-FFF2-40B4-BE49-F238E27FC236}">
+                <a16:creationId xmlns:a16="http://schemas.microsoft.com/office/drawing/2014/main" id="{5E260EB9-FFE3-5447-A3E1-FD2C5B995FA6}"/>
+              </a:ext>
+            </a:extLst>
+          </p:cNvPr>
+          <p:cNvSpPr/>
+          <p:nvPr/>
+        </p:nvSpPr>
+        <p:spPr>
+          <a:xfrm>
+            <a:off x="10533881" y="3922432"/>
+            <a:ext cx="1553024" cy="1481704"/>
+          </a:xfrm>
+          <a:prstGeom prst="rect">
+            <a:avLst/>
+          </a:prstGeom>
+          <a:solidFill>
+            <a:schemeClr val="bg1"/>
+          </a:solidFill>
+          <a:ln w="28575">
+            <a:noFill/>
+            <a:prstDash val="sysDash"/>
+          </a:ln>
+          <a:effectLst>
+            <a:glow rad="228600">
+              <a:schemeClr val="accent3">
+                <a:satMod val="175000"/>
+                <a:alpha val="40000"/>
+              </a:schemeClr>
+            </a:glow>
+          </a:effectLst>
+        </p:spPr>
+        <p:style>
+          <a:lnRef idx="2">
+            <a:schemeClr val="accent1"/>
+          </a:lnRef>
+          <a:fillRef idx="1">
+            <a:schemeClr val="lt1"/>
+          </a:fillRef>
+          <a:effectRef idx="0">
+            <a:schemeClr val="accent1"/>
+          </a:effectRef>
+          <a:fontRef idx="minor">
+            <a:schemeClr val="dk1"/>
+          </a:fontRef>
+        </p:style>
+        <p:txBody>
+          <a:bodyPr rtlCol="0" anchor="ctr"/>
+          <a:lstStyle/>
+          <a:p>
+            <a:pPr algn="ctr"/>
+            <a:endParaRPr lang="en-US" dirty="0"/>
+          </a:p>
+        </p:txBody>
+      </p:sp>
+      <p:sp>
+        <p:nvSpPr>
+          <p:cNvPr id="81" name="TextBox 80">
+            <a:extLst>
+              <a:ext uri="{FF2B5EF4-FFF2-40B4-BE49-F238E27FC236}">
+                <a16:creationId xmlns:a16="http://schemas.microsoft.com/office/drawing/2014/main" id="{C2898F28-5BF5-5141-94D7-E76529BE7F89}"/>
+              </a:ext>
+            </a:extLst>
+          </p:cNvPr>
+          <p:cNvSpPr txBox="1"/>
+          <p:nvPr/>
+        </p:nvSpPr>
+        <p:spPr>
+          <a:xfrm>
+            <a:off x="10520782" y="4757805"/>
+            <a:ext cx="1648721" cy="646331"/>
+          </a:xfrm>
+          <a:prstGeom prst="rect">
+            <a:avLst/>
+          </a:prstGeom>
+          <a:noFill/>
+        </p:spPr>
+        <p:txBody>
+          <a:bodyPr wrap="none" rtlCol="0">
+            <a:spAutoFit/>
+          </a:bodyPr>
+          <a:lstStyle/>
+          <a:p>
+            <a:r>
+              <a:rPr lang="en-US" dirty="0"/>
+              <a:t>Azure Database</a:t>
+            </a:r>
+          </a:p>
+          <a:p>
+            <a:r>
+              <a:rPr lang="en-US" dirty="0"/>
+              <a:t>for PostgreSQL</a:t>
+            </a:r>
+          </a:p>
+        </p:txBody>
+      </p:sp>
+      <p:pic>
+        <p:nvPicPr>
+          <p:cNvPr id="8" name="Graphic 7">
+            <a:extLst>
+              <a:ext uri="{FF2B5EF4-FFF2-40B4-BE49-F238E27FC236}">
+                <a16:creationId xmlns:a16="http://schemas.microsoft.com/office/drawing/2014/main" id="{1B815630-C758-F040-840A-A25D71778C12}"/>
+              </a:ext>
+            </a:extLst>
+          </p:cNvPr>
+          <p:cNvPicPr>
+            <a:picLocks noChangeAspect="1"/>
+          </p:cNvPicPr>
+          <p:nvPr/>
+        </p:nvPicPr>
+        <p:blipFill>
+          <a:blip r:embed="rId23">
+            <a:extLst>
+              <a:ext uri="{96DAC541-7B7A-43D3-8B79-37D633B846F1}">
+                <asvg:svgBlip xmlns:asvg="http://schemas.microsoft.com/office/drawing/2016/SVG/main" r:embed="rId24"/>
+              </a:ext>
+            </a:extLst>
+          </a:blip>
+          <a:stretch>
+            <a:fillRect/>
+          </a:stretch>
+        </p:blipFill>
+        <p:spPr>
+          <a:xfrm>
+            <a:off x="11043348" y="3955113"/>
+            <a:ext cx="601659" cy="813053"/>
           </a:xfrm>
           <a:prstGeom prst="rect">
             <a:avLst/>

--- a/Whiteboard design session/media/solution-topology.pptx
+++ b/Whiteboard design session/media/solution-topology.pptx
@@ -3777,6 +3777,65 @@
           <a:chExt cx="0" cy="0"/>
         </a:xfrm>
       </p:grpSpPr>
+      <p:sp>
+        <p:nvSpPr>
+          <p:cNvPr id="85" name="Rectangle 84">
+            <a:extLst>
+              <a:ext uri="{FF2B5EF4-FFF2-40B4-BE49-F238E27FC236}">
+                <a16:creationId xmlns:a16="http://schemas.microsoft.com/office/drawing/2014/main" id="{0DA7D642-81CC-C64D-93B7-7179671A076F}"/>
+              </a:ext>
+            </a:extLst>
+          </p:cNvPr>
+          <p:cNvSpPr/>
+          <p:nvPr/>
+        </p:nvSpPr>
+        <p:spPr>
+          <a:xfrm>
+            <a:off x="6398802" y="5711376"/>
+            <a:ext cx="3818382" cy="850920"/>
+          </a:xfrm>
+          <a:prstGeom prst="rect">
+            <a:avLst/>
+          </a:prstGeom>
+          <a:solidFill>
+            <a:schemeClr val="bg1"/>
+          </a:solidFill>
+          <a:ln w="28575">
+            <a:noFill/>
+            <a:prstDash val="sysDash"/>
+          </a:ln>
+          <a:effectLst>
+            <a:glow rad="228600">
+              <a:schemeClr val="accent3">
+                <a:satMod val="175000"/>
+                <a:alpha val="40000"/>
+              </a:schemeClr>
+            </a:glow>
+          </a:effectLst>
+        </p:spPr>
+        <p:style>
+          <a:lnRef idx="2">
+            <a:schemeClr val="accent1"/>
+          </a:lnRef>
+          <a:fillRef idx="1">
+            <a:schemeClr val="lt1"/>
+          </a:fillRef>
+          <a:effectRef idx="0">
+            <a:schemeClr val="accent1"/>
+          </a:effectRef>
+          <a:fontRef idx="minor">
+            <a:schemeClr val="dk1"/>
+          </a:fontRef>
+        </p:style>
+        <p:txBody>
+          <a:bodyPr rtlCol="0" anchor="ctr"/>
+          <a:lstStyle/>
+          <a:p>
+            <a:pPr algn="ctr"/>
+            <a:endParaRPr lang="en-US" dirty="0"/>
+          </a:p>
+        </p:txBody>
+      </p:sp>
       <p:cxnSp>
         <p:nvCxnSpPr>
           <p:cNvPr id="71" name="Straight Arrow Connector 70">
@@ -3793,7 +3852,7 @@
         </p:nvCxnSpPr>
         <p:spPr>
           <a:xfrm>
-            <a:off x="9822598" y="4746009"/>
+            <a:off x="9822598" y="4288812"/>
             <a:ext cx="713350" cy="25541"/>
           </a:xfrm>
           <a:prstGeom prst="straightConnector1">
@@ -3834,12 +3893,12 @@
         </p:nvCxnSpPr>
         <p:spPr>
           <a:xfrm>
-            <a:off x="3091542" y="528896"/>
-            <a:ext cx="1287740" cy="1122483"/>
+            <a:off x="3091542" y="505450"/>
+            <a:ext cx="1287740" cy="668781"/>
           </a:xfrm>
           <a:prstGeom prst="bentConnector3">
             <a:avLst>
-              <a:gd name="adj1" fmla="val 100872"/>
+              <a:gd name="adj1" fmla="val 99160"/>
             </a:avLst>
           </a:prstGeom>
           <a:ln w="38100">
@@ -3884,7 +3943,7 @@
         </p:nvCxnSpPr>
         <p:spPr>
           <a:xfrm>
-            <a:off x="10115673" y="2905307"/>
+            <a:off x="10115673" y="2448110"/>
             <a:ext cx="563164" cy="11222"/>
           </a:xfrm>
           <a:prstGeom prst="straightConnector1">
@@ -3925,7 +3984,7 @@
         </p:nvCxnSpPr>
         <p:spPr>
           <a:xfrm>
-            <a:off x="2269800" y="4919168"/>
+            <a:off x="2269800" y="4461971"/>
             <a:ext cx="1008589" cy="6269"/>
           </a:xfrm>
           <a:prstGeom prst="straightConnector1">
@@ -3968,7 +4027,7 @@
         </p:nvCxnSpPr>
         <p:spPr>
           <a:xfrm rot="16200000" flipH="1">
-            <a:off x="115862" y="4231565"/>
+            <a:off x="115862" y="3774368"/>
             <a:ext cx="988915" cy="367812"/>
           </a:xfrm>
           <a:prstGeom prst="bentConnector3">
@@ -4011,7 +4070,7 @@
         </p:nvSpPr>
         <p:spPr>
           <a:xfrm>
-            <a:off x="10709727" y="2081730"/>
+            <a:off x="10709727" y="1624533"/>
             <a:ext cx="1226056" cy="1481704"/>
           </a:xfrm>
           <a:prstGeom prst="rect">
@@ -4070,7 +4129,7 @@
         </p:nvSpPr>
         <p:spPr>
           <a:xfrm>
-            <a:off x="957364" y="4446488"/>
+            <a:off x="957364" y="3989291"/>
             <a:ext cx="1226056" cy="1276914"/>
           </a:xfrm>
           <a:prstGeom prst="rect">
@@ -4129,7 +4188,7 @@
         </p:nvSpPr>
         <p:spPr>
           <a:xfrm>
-            <a:off x="122467" y="2545197"/>
+            <a:off x="122467" y="2088000"/>
             <a:ext cx="1226056" cy="1592561"/>
           </a:xfrm>
           <a:prstGeom prst="rect">
@@ -4188,7 +4247,7 @@
         </p:nvSpPr>
         <p:spPr>
           <a:xfrm>
-            <a:off x="3205805" y="1853133"/>
+            <a:off x="3205805" y="1395936"/>
             <a:ext cx="7023818" cy="3966812"/>
           </a:xfrm>
           <a:prstGeom prst="rect">
@@ -4261,7 +4320,7 @@
         </p:blipFill>
         <p:spPr>
           <a:xfrm>
-            <a:off x="10995051" y="2260791"/>
+            <a:off x="10995051" y="1803594"/>
             <a:ext cx="734127" cy="652557"/>
           </a:xfrm>
           <a:prstGeom prst="rect">
@@ -4297,7 +4356,7 @@
         </p:blipFill>
         <p:spPr>
           <a:xfrm>
-            <a:off x="3467670" y="1985386"/>
+            <a:off x="3467670" y="1528189"/>
             <a:ext cx="442081" cy="442081"/>
           </a:xfrm>
           <a:prstGeom prst="rect">
@@ -4333,7 +4392,7 @@
         </p:blipFill>
         <p:spPr>
           <a:xfrm>
-            <a:off x="1327053" y="4545803"/>
+            <a:off x="1327053" y="4088606"/>
             <a:ext cx="603294" cy="603294"/>
           </a:xfrm>
           <a:prstGeom prst="rect">
@@ -4355,7 +4414,7 @@
         </p:nvSpPr>
         <p:spPr>
           <a:xfrm>
-            <a:off x="1063755" y="5053156"/>
+            <a:off x="1063755" y="4595959"/>
             <a:ext cx="1119665" cy="646331"/>
           </a:xfrm>
           <a:prstGeom prst="rect">
@@ -4396,7 +4455,7 @@
         </p:nvSpPr>
         <p:spPr>
           <a:xfrm>
-            <a:off x="297123" y="3450813"/>
+            <a:off x="297123" y="2993616"/>
             <a:ext cx="878767" cy="646331"/>
           </a:xfrm>
           <a:prstGeom prst="rect">
@@ -4437,7 +4496,7 @@
         </p:nvSpPr>
         <p:spPr>
           <a:xfrm>
-            <a:off x="4009527" y="2021760"/>
+            <a:off x="4009527" y="1564563"/>
             <a:ext cx="3533147" cy="400110"/>
           </a:xfrm>
           <a:prstGeom prst="rect">
@@ -4472,7 +4531,7 @@
         </p:nvSpPr>
         <p:spPr>
           <a:xfrm>
-            <a:off x="10731796" y="2917103"/>
+            <a:off x="10731796" y="2459906"/>
             <a:ext cx="1252266" cy="646331"/>
           </a:xfrm>
           <a:prstGeom prst="rect">
@@ -4527,7 +4586,7 @@
         </p:blipFill>
         <p:spPr>
           <a:xfrm>
-            <a:off x="9557882" y="5287712"/>
+            <a:off x="9557882" y="4830515"/>
             <a:ext cx="469900" cy="469900"/>
           </a:xfrm>
           <a:prstGeom prst="rect">
@@ -4549,7 +4608,7 @@
         </p:nvSpPr>
         <p:spPr>
           <a:xfrm>
-            <a:off x="7854713" y="5337996"/>
+            <a:off x="7854713" y="4880799"/>
             <a:ext cx="1716817" cy="369332"/>
           </a:xfrm>
           <a:prstGeom prst="rect">
@@ -4584,7 +4643,7 @@
         </p:nvSpPr>
         <p:spPr>
           <a:xfrm>
-            <a:off x="3478974" y="2587070"/>
+            <a:off x="3478974" y="2129873"/>
             <a:ext cx="2192956" cy="2406521"/>
           </a:xfrm>
           <a:prstGeom prst="rect">
@@ -4647,7 +4706,7 @@
         </p:nvSpPr>
         <p:spPr>
           <a:xfrm>
-            <a:off x="4140418" y="2637060"/>
+            <a:off x="4140418" y="2179863"/>
             <a:ext cx="1097352" cy="369332"/>
           </a:xfrm>
           <a:prstGeom prst="rect">
@@ -4682,7 +4741,7 @@
         </p:nvGrpSpPr>
         <p:grpSpPr>
           <a:xfrm>
-            <a:off x="3713453" y="3199918"/>
+            <a:off x="3713453" y="2742721"/>
             <a:ext cx="602255" cy="602255"/>
             <a:chOff x="794822" y="593342"/>
             <a:chExt cx="904281" cy="904281"/>
@@ -4813,7 +4872,7 @@
         </p:nvSpPr>
         <p:spPr>
           <a:xfrm>
-            <a:off x="4379282" y="3244505"/>
+            <a:off x="4379282" y="2787308"/>
             <a:ext cx="1184042" cy="369332"/>
           </a:xfrm>
           <a:prstGeom prst="rect">
@@ -4848,7 +4907,7 @@
         </p:nvGrpSpPr>
         <p:grpSpPr>
           <a:xfrm>
-            <a:off x="3713453" y="4175219"/>
+            <a:off x="3713453" y="3718022"/>
             <a:ext cx="602255" cy="602255"/>
             <a:chOff x="794822" y="593342"/>
             <a:chExt cx="904281" cy="904281"/>
@@ -4979,7 +5038,7 @@
         </p:nvSpPr>
         <p:spPr>
           <a:xfrm>
-            <a:off x="4379282" y="4175219"/>
+            <a:off x="4379282" y="3718022"/>
             <a:ext cx="1258165" cy="646331"/>
           </a:xfrm>
           <a:prstGeom prst="rect">
@@ -5020,7 +5079,7 @@
         </p:nvSpPr>
         <p:spPr>
           <a:xfrm>
-            <a:off x="6021232" y="2598837"/>
+            <a:off x="6021232" y="2141640"/>
             <a:ext cx="3941870" cy="2406521"/>
           </a:xfrm>
           <a:prstGeom prst="rect">
@@ -5080,7 +5139,7 @@
         </p:nvSpPr>
         <p:spPr>
           <a:xfrm>
-            <a:off x="7520787" y="2650725"/>
+            <a:off x="7520787" y="2193528"/>
             <a:ext cx="1478290" cy="369332"/>
           </a:xfrm>
           <a:prstGeom prst="rect">
@@ -5115,7 +5174,7 @@
         </p:nvGrpSpPr>
         <p:grpSpPr>
           <a:xfrm>
-            <a:off x="6255711" y="3211685"/>
+            <a:off x="6255711" y="2754488"/>
             <a:ext cx="602255" cy="602255"/>
             <a:chOff x="794822" y="593342"/>
             <a:chExt cx="904281" cy="904281"/>
@@ -5246,7 +5305,7 @@
         </p:nvSpPr>
         <p:spPr>
           <a:xfrm>
-            <a:off x="6921540" y="3283568"/>
+            <a:off x="6921540" y="2826371"/>
             <a:ext cx="1304524" cy="369332"/>
           </a:xfrm>
           <a:prstGeom prst="rect">
@@ -5281,7 +5340,7 @@
         </p:nvGrpSpPr>
         <p:grpSpPr>
           <a:xfrm>
-            <a:off x="6255711" y="4186986"/>
+            <a:off x="6255711" y="3729789"/>
             <a:ext cx="602255" cy="602255"/>
             <a:chOff x="794822" y="593342"/>
             <a:chExt cx="904281" cy="904281"/>
@@ -5412,7 +5471,7 @@
         </p:nvSpPr>
         <p:spPr>
           <a:xfrm>
-            <a:off x="6921540" y="4284251"/>
+            <a:off x="6921540" y="3827054"/>
             <a:ext cx="697627" cy="369332"/>
           </a:xfrm>
           <a:prstGeom prst="rect">
@@ -5447,7 +5506,7 @@
         </p:nvGrpSpPr>
         <p:grpSpPr>
           <a:xfrm>
-            <a:off x="8223018" y="3222907"/>
+            <a:off x="8223018" y="2765710"/>
             <a:ext cx="602255" cy="602255"/>
             <a:chOff x="794822" y="593342"/>
             <a:chExt cx="904281" cy="904281"/>
@@ -5578,7 +5637,7 @@
         </p:nvSpPr>
         <p:spPr>
           <a:xfrm>
-            <a:off x="8888847" y="3294790"/>
+            <a:off x="8888847" y="2837593"/>
             <a:ext cx="936154" cy="369332"/>
           </a:xfrm>
           <a:prstGeom prst="rect">
@@ -5613,7 +5672,7 @@
         </p:nvGrpSpPr>
         <p:grpSpPr>
           <a:xfrm>
-            <a:off x="8223018" y="4182419"/>
+            <a:off x="8223018" y="3725222"/>
             <a:ext cx="602255" cy="602255"/>
             <a:chOff x="794822" y="593342"/>
             <a:chExt cx="904281" cy="904281"/>
@@ -5744,7 +5803,7 @@
         </p:nvSpPr>
         <p:spPr>
           <a:xfrm>
-            <a:off x="8888847" y="4254302"/>
+            <a:off x="8888847" y="3797105"/>
             <a:ext cx="782843" cy="369332"/>
           </a:xfrm>
           <a:prstGeom prst="rect">
@@ -5779,7 +5838,7 @@
         </p:nvGrpSpPr>
         <p:grpSpPr>
           <a:xfrm>
-            <a:off x="3501289" y="5189854"/>
+            <a:off x="3501289" y="4732657"/>
             <a:ext cx="520700" cy="507831"/>
             <a:chOff x="7929988" y="5523319"/>
             <a:chExt cx="680246" cy="663434"/>
@@ -5908,7 +5967,7 @@
         </p:nvSpPr>
         <p:spPr>
           <a:xfrm>
-            <a:off x="4108418" y="5318995"/>
+            <a:off x="4108418" y="4861798"/>
             <a:ext cx="1329210" cy="369332"/>
           </a:xfrm>
           <a:prstGeom prst="rect">
@@ -5943,7 +6002,7 @@
         </p:nvSpPr>
         <p:spPr>
           <a:xfrm>
-            <a:off x="313044" y="2553989"/>
+            <a:off x="313044" y="2096792"/>
             <a:ext cx="798617" cy="400110"/>
           </a:xfrm>
           <a:prstGeom prst="rect">
@@ -5978,7 +6037,7 @@
         </p:nvSpPr>
         <p:spPr>
           <a:xfrm>
-            <a:off x="201814" y="5060435"/>
+            <a:off x="201814" y="4603238"/>
             <a:ext cx="677430" cy="523220"/>
           </a:xfrm>
           <a:prstGeom prst="rect">
@@ -6021,7 +6080,7 @@
         </p:nvSpPr>
         <p:spPr>
           <a:xfrm>
-            <a:off x="2374062" y="5092137"/>
+            <a:off x="2374062" y="4634940"/>
             <a:ext cx="677430" cy="523220"/>
           </a:xfrm>
           <a:prstGeom prst="rect">
@@ -6066,7 +6125,7 @@
         </p:nvCxnSpPr>
         <p:spPr>
           <a:xfrm>
-            <a:off x="1506494" y="4029205"/>
+            <a:off x="1506494" y="3572008"/>
             <a:ext cx="1514206" cy="0"/>
           </a:xfrm>
           <a:prstGeom prst="straightConnector1">
@@ -6107,7 +6166,7 @@
         </p:nvSpPr>
         <p:spPr>
           <a:xfrm>
-            <a:off x="1894227" y="3625897"/>
+            <a:off x="1894227" y="3168700"/>
             <a:ext cx="1197315" cy="307777"/>
           </a:xfrm>
           <a:prstGeom prst="rect">
@@ -6151,7 +6210,7 @@
         </p:blipFill>
         <p:spPr>
           <a:xfrm>
-            <a:off x="1481752" y="3499990"/>
+            <a:off x="1481752" y="3042793"/>
             <a:ext cx="432145" cy="449784"/>
           </a:xfrm>
           <a:prstGeom prst="rect">
@@ -6187,7 +6246,7 @@
         </p:blipFill>
         <p:spPr>
           <a:xfrm>
-            <a:off x="371947" y="5907559"/>
+            <a:off x="371947" y="5450362"/>
             <a:ext cx="469900" cy="469900"/>
           </a:xfrm>
           <a:prstGeom prst="rect">
@@ -6209,7 +6268,7 @@
         </p:nvSpPr>
         <p:spPr>
           <a:xfrm>
-            <a:off x="143389" y="6377459"/>
+            <a:off x="143389" y="5920262"/>
             <a:ext cx="908518" cy="369332"/>
           </a:xfrm>
           <a:prstGeom prst="rect">
@@ -6258,7 +6317,7 @@
         </p:blipFill>
         <p:spPr>
           <a:xfrm>
-            <a:off x="4536727" y="5927174"/>
+            <a:off x="4536727" y="5469977"/>
             <a:ext cx="469900" cy="469900"/>
           </a:xfrm>
           <a:prstGeom prst="rect">
@@ -6280,7 +6339,7 @@
         </p:nvSpPr>
         <p:spPr>
           <a:xfrm>
-            <a:off x="4246213" y="6397074"/>
+            <a:off x="4246213" y="5939877"/>
             <a:ext cx="1050929" cy="369332"/>
           </a:xfrm>
           <a:prstGeom prst="rect">
@@ -6317,7 +6376,7 @@
         </p:nvCxnSpPr>
         <p:spPr>
           <a:xfrm>
-            <a:off x="1194131" y="6581740"/>
+            <a:off x="1194131" y="6124543"/>
             <a:ext cx="3018793" cy="0"/>
           </a:xfrm>
           <a:prstGeom prst="straightConnector1">
@@ -6365,7 +6424,7 @@
         </p:nvCxnSpPr>
         <p:spPr>
           <a:xfrm>
-            <a:off x="3469326" y="5932140"/>
+            <a:off x="3469326" y="5474943"/>
             <a:ext cx="743598" cy="370433"/>
           </a:xfrm>
           <a:prstGeom prst="bentConnector3">
@@ -6413,7 +6472,7 @@
         </p:nvSpPr>
         <p:spPr>
           <a:xfrm>
-            <a:off x="3489857" y="5918189"/>
+            <a:off x="3489857" y="5460992"/>
             <a:ext cx="687303" cy="369332"/>
           </a:xfrm>
           <a:prstGeom prst="rect">
@@ -6469,7 +6528,7 @@
         </p:blipFill>
         <p:spPr>
           <a:xfrm>
-            <a:off x="4823" y="83875"/>
+            <a:off x="4823" y="60429"/>
             <a:ext cx="1222690" cy="944806"/>
           </a:xfrm>
           <a:prstGeom prst="rect">
@@ -6491,7 +6550,7 @@
         </p:nvSpPr>
         <p:spPr>
           <a:xfrm>
-            <a:off x="208300" y="847392"/>
+            <a:off x="208300" y="823946"/>
             <a:ext cx="815736" cy="369332"/>
           </a:xfrm>
           <a:prstGeom prst="rect">
@@ -6540,7 +6599,7 @@
         </p:blipFill>
         <p:spPr>
           <a:xfrm>
-            <a:off x="2285890" y="221185"/>
+            <a:off x="2285890" y="197739"/>
             <a:ext cx="616709" cy="616709"/>
           </a:xfrm>
           <a:prstGeom prst="rect">
@@ -6562,7 +6621,7 @@
         </p:nvSpPr>
         <p:spPr>
           <a:xfrm>
-            <a:off x="2012290" y="845950"/>
+            <a:off x="2012290" y="822504"/>
             <a:ext cx="1227259" cy="646331"/>
           </a:xfrm>
           <a:prstGeom prst="rect">
@@ -6606,7 +6665,7 @@
         </p:nvCxnSpPr>
         <p:spPr>
           <a:xfrm>
-            <a:off x="1246148" y="528896"/>
+            <a:off x="1246148" y="505450"/>
             <a:ext cx="834897" cy="0"/>
           </a:xfrm>
           <a:prstGeom prst="straightConnector1">
@@ -6660,7 +6719,7 @@
         </p:blipFill>
         <p:spPr>
           <a:xfrm>
-            <a:off x="470379" y="2936259"/>
+            <a:off x="470379" y="2479062"/>
             <a:ext cx="519283" cy="519283"/>
           </a:xfrm>
           <a:prstGeom prst="rect">
@@ -6682,7 +6741,7 @@
         </p:nvSpPr>
         <p:spPr>
           <a:xfrm>
-            <a:off x="10533881" y="3922432"/>
+            <a:off x="10533881" y="3465235"/>
             <a:ext cx="1553024" cy="1481704"/>
           </a:xfrm>
           <a:prstGeom prst="rect">
@@ -6741,7 +6800,7 @@
         </p:nvSpPr>
         <p:spPr>
           <a:xfrm>
-            <a:off x="10520782" y="4757805"/>
+            <a:off x="10520782" y="4300608"/>
             <a:ext cx="1648721" cy="646331"/>
           </a:xfrm>
           <a:prstGeom prst="rect">
@@ -6796,7 +6855,7 @@
         </p:blipFill>
         <p:spPr>
           <a:xfrm>
-            <a:off x="11043348" y="3955113"/>
+            <a:off x="11043348" y="3497916"/>
             <a:ext cx="601659" cy="813053"/>
           </a:xfrm>
           <a:prstGeom prst="rect">
@@ -6804,6 +6863,120 @@
           </a:prstGeom>
         </p:spPr>
       </p:pic>
+      <p:pic>
+        <p:nvPicPr>
+          <p:cNvPr id="21" name="Graphic 20">
+            <a:extLst>
+              <a:ext uri="{FF2B5EF4-FFF2-40B4-BE49-F238E27FC236}">
+                <a16:creationId xmlns:a16="http://schemas.microsoft.com/office/drawing/2014/main" id="{EACBE5B1-E656-9144-81FB-97CCD08148A4}"/>
+              </a:ext>
+            </a:extLst>
+          </p:cNvPr>
+          <p:cNvPicPr>
+            <a:picLocks noChangeAspect="1"/>
+          </p:cNvPicPr>
+          <p:nvPr/>
+        </p:nvPicPr>
+        <p:blipFill>
+          <a:blip r:embed="rId25">
+            <a:extLst>
+              <a:ext uri="{96DAC541-7B7A-43D3-8B79-37D633B846F1}">
+                <asvg:svgBlip xmlns:asvg="http://schemas.microsoft.com/office/drawing/2016/SVG/main" r:embed="rId26"/>
+              </a:ext>
+            </a:extLst>
+          </a:blip>
+          <a:stretch>
+            <a:fillRect/>
+          </a:stretch>
+        </p:blipFill>
+        <p:spPr>
+          <a:xfrm>
+            <a:off x="6542016" y="5830324"/>
+            <a:ext cx="1010619" cy="596546"/>
+          </a:xfrm>
+          <a:prstGeom prst="rect">
+            <a:avLst/>
+          </a:prstGeom>
+        </p:spPr>
+      </p:pic>
+      <p:sp>
+        <p:nvSpPr>
+          <p:cNvPr id="84" name="TextBox 83">
+            <a:extLst>
+              <a:ext uri="{FF2B5EF4-FFF2-40B4-BE49-F238E27FC236}">
+                <a16:creationId xmlns:a16="http://schemas.microsoft.com/office/drawing/2014/main" id="{AA827B7B-639C-5F43-BC24-9E67D494639E}"/>
+              </a:ext>
+            </a:extLst>
+          </p:cNvPr>
+          <p:cNvSpPr txBox="1"/>
+          <p:nvPr/>
+        </p:nvSpPr>
+        <p:spPr>
+          <a:xfrm>
+            <a:off x="7721661" y="5939752"/>
+            <a:ext cx="2467855" cy="369332"/>
+          </a:xfrm>
+          <a:prstGeom prst="rect">
+            <a:avLst/>
+          </a:prstGeom>
+          <a:noFill/>
+        </p:spPr>
+        <p:txBody>
+          <a:bodyPr wrap="none" rtlCol="0">
+            <a:spAutoFit/>
+          </a:bodyPr>
+          <a:lstStyle/>
+          <a:p>
+            <a:r>
+              <a:rPr lang="en-US" dirty="0"/>
+              <a:t>Azure Cognitive Services</a:t>
+            </a:r>
+          </a:p>
+        </p:txBody>
+      </p:sp>
+      <p:cxnSp>
+        <p:nvCxnSpPr>
+          <p:cNvPr id="86" name="Elbow Connector 85">
+            <a:extLst>
+              <a:ext uri="{FF2B5EF4-FFF2-40B4-BE49-F238E27FC236}">
+                <a16:creationId xmlns:a16="http://schemas.microsoft.com/office/drawing/2014/main" id="{B0B480FF-5A84-5D40-8E9B-F9FC3597DF1C}"/>
+              </a:ext>
+            </a:extLst>
+          </p:cNvPr>
+          <p:cNvCxnSpPr>
+            <a:cxnSpLocks/>
+          </p:cNvCxnSpPr>
+          <p:nvPr/>
+        </p:nvCxnSpPr>
+        <p:spPr>
+          <a:xfrm>
+            <a:off x="5512113" y="5450362"/>
+            <a:ext cx="743598" cy="654566"/>
+          </a:xfrm>
+          <a:prstGeom prst="bentConnector3">
+            <a:avLst>
+              <a:gd name="adj1" fmla="val 1127"/>
+            </a:avLst>
+          </a:prstGeom>
+          <a:ln w="38100">
+            <a:tailEnd type="triangle"/>
+          </a:ln>
+        </p:spPr>
+        <p:style>
+          <a:lnRef idx="1">
+            <a:schemeClr val="accent1"/>
+          </a:lnRef>
+          <a:fillRef idx="0">
+            <a:schemeClr val="accent1"/>
+          </a:fillRef>
+          <a:effectRef idx="0">
+            <a:schemeClr val="accent1"/>
+          </a:effectRef>
+          <a:fontRef idx="minor">
+            <a:schemeClr val="tx1"/>
+          </a:fontRef>
+        </p:style>
+      </p:cxnSp>
     </p:spTree>
     <p:extLst>
       <p:ext uri="{BB962C8B-B14F-4D97-AF65-F5344CB8AC3E}">
